--- a/approxAlgorithms/hpc/figs.pptx
+++ b/approxAlgorithms/hpc/figs.pptx
@@ -15300,7 +15300,7 @@
               <a:avLst/>
             </a:prstGeom>
             <a:solidFill>
-              <a:schemeClr val="bg1"/>
+              <a:srgbClr val="FFFFE0"/>
             </a:solidFill>
           </p:spPr>
           <p:txBody>
@@ -15339,7 +15339,7 @@
               <a:avLst/>
             </a:prstGeom>
             <a:solidFill>
-              <a:schemeClr val="bg1"/>
+              <a:srgbClr val="FFFFE0"/>
             </a:solidFill>
           </p:spPr>
           <p:txBody>
